--- a/docs/_site/images/Voorblad.pptx
+++ b/docs/_site/images/Voorblad.pptx
@@ -3922,8 +3922,8 @@
         </p:nvSpPr>
         <p:spPr>
           <a:xfrm>
-            <a:off x="8292662" y="826114"/>
-            <a:ext cx="1745350" cy="646331"/>
+            <a:off x="3408384" y="611703"/>
+            <a:ext cx="1229952" cy="461665"/>
           </a:xfrm>
           <a:prstGeom prst="rect">
             <a:avLst/>
@@ -3938,14 +3938,14 @@
           <a:p>
             <a:pPr algn="ctr"/>
             <a:r>
-              <a:rPr lang="nl-BE" dirty="0"/>
+              <a:rPr lang="nl-BE" sz="1200" dirty="0"/>
               <a:t>Input voorbeeld</a:t>
             </a:r>
             <a:br>
-              <a:rPr lang="nl-BE" dirty="0"/>
+              <a:rPr lang="nl-BE" sz="1200" dirty="0"/>
             </a:br>
             <a:r>
-              <a:rPr lang="nl-BE" dirty="0"/>
+              <a:rPr lang="nl-BE" sz="1200" dirty="0"/>
               <a:t>ruwe data</a:t>
             </a:r>
           </a:p>
@@ -3965,8 +3965,8 @@
         </p:nvSpPr>
         <p:spPr>
           <a:xfrm>
-            <a:off x="8121679" y="4066308"/>
-            <a:ext cx="1821460" cy="923330"/>
+            <a:off x="3346423" y="4843167"/>
+            <a:ext cx="1353384" cy="646331"/>
           </a:xfrm>
           <a:prstGeom prst="rect">
             <a:avLst/>
@@ -3981,22 +3981,58 @@
           <a:p>
             <a:pPr algn="ctr"/>
             <a:r>
-              <a:rPr lang="nl-BE" dirty="0"/>
-              <a:t>Input voorbeeld</a:t>
+              <a:rPr lang="nl-BE" sz="1200" dirty="0"/>
+              <a:t>Output voorbeeld</a:t>
             </a:r>
             <a:br>
-              <a:rPr lang="nl-BE" dirty="0"/>
+              <a:rPr lang="nl-BE" sz="1200" dirty="0"/>
             </a:br>
             <a:r>
-              <a:rPr lang="nl-BE" dirty="0"/>
+              <a:rPr lang="nl-BE" sz="1200" dirty="0"/>
               <a:t>OSLO compliant</a:t>
             </a:r>
             <a:br>
-              <a:rPr lang="nl-BE" dirty="0"/>
+              <a:rPr lang="nl-BE" sz="1200" dirty="0"/>
             </a:br>
             <a:r>
-              <a:rPr lang="nl-BE" dirty="0"/>
+              <a:rPr lang="nl-BE" sz="1200" dirty="0"/>
               <a:t>Linked Data</a:t>
+            </a:r>
+          </a:p>
+        </p:txBody>
+      </p:sp>
+      <p:sp>
+        <p:nvSpPr>
+          <p:cNvPr id="25" name="Tekstvak 24">
+            <a:extLst>
+              <a:ext uri="{FF2B5EF4-FFF2-40B4-BE49-F238E27FC236}">
+                <a16:creationId xmlns:a16="http://schemas.microsoft.com/office/drawing/2014/main" id="{2C2F3050-CF6D-D58E-24CA-A547088B27BA}"/>
+              </a:ext>
+            </a:extLst>
+          </p:cNvPr>
+          <p:cNvSpPr txBox="1"/>
+          <p:nvPr/>
+        </p:nvSpPr>
+        <p:spPr>
+          <a:xfrm>
+            <a:off x="5503249" y="2836671"/>
+            <a:ext cx="1183914" cy="276999"/>
+          </a:xfrm>
+          <a:prstGeom prst="rect">
+            <a:avLst/>
+          </a:prstGeom>
+          <a:noFill/>
+        </p:spPr>
+        <p:txBody>
+          <a:bodyPr wrap="none" rtlCol="0">
+            <a:spAutoFit/>
+          </a:bodyPr>
+          <a:lstStyle/>
+          <a:p>
+            <a:pPr algn="ctr"/>
+            <a:r>
+              <a:rPr lang="nl-BE" sz="1200" dirty="0"/>
+              <a:t>OSLO mapping</a:t>
             </a:r>
           </a:p>
         </p:txBody>
